--- a/fuentes/contenidos/grado09/guion01/MapaConceptual_LE_09_01_CO.pptx
+++ b/fuentes/contenidos/grado09/guion01/MapaConceptual_LE_09_01_CO.pptx
@@ -1091,7 +1091,7 @@
           <a:p>
             <a:fld id="{5001C876-01F7-4317-94B9-1AE222133113}" type="datetimeFigureOut">
               <a:rPr lang="es-ES" smtClean="0"/>
-              <a:t>03/08/2015</a:t>
+              <a:t>14/08/2015</a:t>
             </a:fld>
             <a:endParaRPr lang="es-ES"/>
           </a:p>
@@ -5233,55 +5233,22 @@
       </p:sp>
       <p:sp>
         <p:nvSpPr>
-          <p:cNvPr id="86" name="CuadroTexto 85" descr="Conector entre nodos" title="conector"/>
-          <p:cNvSpPr txBox="1"/>
+          <p:cNvPr id="93" name="Rectángulo 219" descr="Nodo de segundo nivel" title="Nodo02"/>
+          <p:cNvSpPr/>
           <p:nvPr/>
         </p:nvSpPr>
         <p:spPr>
           <a:xfrm>
-            <a:off x="2848935" y="5979164"/>
-            <a:ext cx="1348820" cy="230832"/>
+            <a:off x="7591462" y="1586442"/>
+            <a:ext cx="1425432" cy="271943"/>
           </a:xfrm>
           <a:prstGeom prst="rect">
             <a:avLst/>
           </a:prstGeom>
-          <a:noFill/>
-        </p:spPr>
-        <p:txBody>
-          <a:bodyPr wrap="square" rtlCol="0">
-            <a:spAutoFit/>
-          </a:bodyPr>
-          <a:lstStyle/>
-          <a:p>
-            <a:pPr algn="ctr"/>
-            <a:r>
-              <a:rPr lang="es-ES" sz="900" dirty="0" smtClean="0"/>
-              <a:t> </a:t>
-            </a:r>
-            <a:r>
-              <a:rPr lang="es-ES" sz="800" dirty="0" smtClean="0"/>
-              <a:t>por ejemplo</a:t>
-            </a:r>
-            <a:endParaRPr lang="es-ES" sz="800" dirty="0"/>
-          </a:p>
-        </p:txBody>
-      </p:sp>
-      <p:sp>
-        <p:nvSpPr>
-          <p:cNvPr id="88" name="Rectángulo 307" descr="Nodo de cuarto nivel&#10;" title="Nodo04"/>
-          <p:cNvSpPr/>
-          <p:nvPr/>
-        </p:nvSpPr>
-        <p:spPr>
-          <a:xfrm>
-            <a:off x="1150697" y="5737760"/>
-            <a:ext cx="1455017" cy="877437"/>
-          </a:xfrm>
-          <a:prstGeom prst="rect">
-            <a:avLst/>
-          </a:prstGeom>
           <a:solidFill>
-            <a:schemeClr val="bg1"/>
+            <a:schemeClr val="bg2">
+              <a:lumMod val="50000"/>
+            </a:schemeClr>
           </a:solidFill>
           <a:ln>
             <a:solidFill>
@@ -5307,144 +5274,168 @@
           <a:bodyPr rtlCol="0" anchor="ctr"/>
           <a:lstStyle/>
           <a:p>
-            <a:endParaRPr lang="es-ES" sz="800" dirty="0" smtClean="0">
+            <a:pPr algn="ctr"/>
+            <a:r>
+              <a:rPr lang="es-ES" sz="1050" dirty="0" smtClean="0">
+                <a:solidFill>
+                  <a:schemeClr val="bg1"/>
+                </a:solidFill>
+              </a:rPr>
+              <a:t>El comentario de texto</a:t>
+            </a:r>
+            <a:endParaRPr lang="es-ES" sz="1050" dirty="0">
               <a:solidFill>
-                <a:schemeClr val="tx1"/>
+                <a:schemeClr val="bg1"/>
               </a:solidFill>
             </a:endParaRPr>
           </a:p>
-          <a:p>
-            <a:pPr marL="171450" indent="-171450">
-              <a:buFont typeface="Arial"/>
-              <a:buChar char="•"/>
-            </a:pPr>
-            <a:r>
-              <a:rPr lang="es-ES" sz="700" dirty="0" smtClean="0">
-                <a:solidFill>
-                  <a:schemeClr val="tx1"/>
-                </a:solidFill>
-              </a:rPr>
-              <a:t>acoger, afligir, compungir</a:t>
-            </a:r>
-          </a:p>
-          <a:p>
-            <a:pPr marL="171450" indent="-171450">
-              <a:buFont typeface="Arial" panose="020B0604020202020204" pitchFamily="34" charset="0"/>
-              <a:buChar char="•"/>
-            </a:pPr>
-            <a:r>
-              <a:rPr lang="es-ES" sz="700" dirty="0">
-                <a:solidFill>
-                  <a:schemeClr val="tx1"/>
-                </a:solidFill>
-              </a:rPr>
-              <a:t>g</a:t>
-            </a:r>
-            <a:r>
-              <a:rPr lang="es-ES" sz="700" dirty="0" smtClean="0">
-                <a:solidFill>
-                  <a:schemeClr val="tx1"/>
-                </a:solidFill>
-              </a:rPr>
-              <a:t>eocéntrico, geopolítica</a:t>
-            </a:r>
-            <a:endParaRPr lang="es-ES" sz="700" i="1" dirty="0">
-              <a:solidFill>
-                <a:schemeClr val="tx1"/>
-              </a:solidFill>
-            </a:endParaRPr>
-          </a:p>
-          <a:p>
-            <a:pPr marL="171450" indent="-171450">
-              <a:buFont typeface="Arial" panose="020B0604020202020204" pitchFamily="34" charset="0"/>
-              <a:buChar char="•"/>
-            </a:pPr>
-            <a:r>
-              <a:rPr lang="es-ES" sz="700" dirty="0">
-                <a:solidFill>
-                  <a:schemeClr val="tx1"/>
-                </a:solidFill>
-              </a:rPr>
-              <a:t>o</a:t>
-            </a:r>
-            <a:r>
-              <a:rPr lang="es-ES" sz="700" dirty="0" smtClean="0">
-                <a:solidFill>
-                  <a:schemeClr val="tx1"/>
-                </a:solidFill>
-              </a:rPr>
-              <a:t>rigen</a:t>
-            </a:r>
-            <a:r>
-              <a:rPr lang="es-ES" sz="700" i="1" dirty="0" smtClean="0">
-                <a:solidFill>
-                  <a:schemeClr val="tx1"/>
-                </a:solidFill>
-              </a:rPr>
-              <a:t>, </a:t>
-            </a:r>
-            <a:r>
-              <a:rPr lang="es-ES" sz="700" dirty="0" smtClean="0">
-                <a:solidFill>
-                  <a:schemeClr val="tx1"/>
-                </a:solidFill>
-              </a:rPr>
-              <a:t>margen, virgen</a:t>
-            </a:r>
-          </a:p>
-          <a:p>
-            <a:pPr marL="171450" indent="-171450">
-              <a:buFont typeface="Arial" panose="020B0604020202020204" pitchFamily="34" charset="0"/>
-              <a:buChar char="•"/>
-            </a:pPr>
-            <a:r>
-              <a:rPr lang="es-ES" sz="700" dirty="0">
-                <a:solidFill>
-                  <a:schemeClr val="tx1"/>
-                </a:solidFill>
-              </a:rPr>
-              <a:t>a</a:t>
-            </a:r>
-            <a:r>
-              <a:rPr lang="es-ES" sz="700" dirty="0" smtClean="0">
-                <a:solidFill>
-                  <a:schemeClr val="tx1"/>
-                </a:solidFill>
-              </a:rPr>
-              <a:t>ngélico, octogenario, heterogéneo, fotogénico, ingenio,  primogénito, vigesimal, trigésimo, energético</a:t>
-            </a:r>
-            <a:endParaRPr lang="es-ES" sz="700" dirty="0">
-              <a:solidFill>
-                <a:schemeClr val="tx1"/>
-              </a:solidFill>
-            </a:endParaRPr>
-          </a:p>
-          <a:p>
-            <a:endParaRPr lang="es-ES" sz="800" dirty="0" smtClean="0">
-              <a:solidFill>
-                <a:schemeClr val="tx1"/>
-              </a:solidFill>
-            </a:endParaRPr>
-          </a:p>
         </p:txBody>
       </p:sp>
+      <p:cxnSp>
+        <p:nvCxnSpPr>
+          <p:cNvPr id="26" name="Conector recto 25"/>
+          <p:cNvCxnSpPr/>
+          <p:nvPr/>
+        </p:nvCxnSpPr>
+        <p:spPr>
+          <a:xfrm>
+            <a:off x="7864027" y="1982127"/>
+            <a:ext cx="1099787" cy="0"/>
+          </a:xfrm>
+          <a:prstGeom prst="line">
+            <a:avLst/>
+          </a:prstGeom>
+        </p:spPr>
+        <p:style>
+          <a:lnRef idx="2">
+            <a:schemeClr val="dk1"/>
+          </a:lnRef>
+          <a:fillRef idx="0">
+            <a:schemeClr val="dk1"/>
+          </a:fillRef>
+          <a:effectRef idx="1">
+            <a:schemeClr val="dk1"/>
+          </a:effectRef>
+          <a:fontRef idx="minor">
+            <a:schemeClr val="tx1"/>
+          </a:fontRef>
+        </p:style>
+      </p:cxnSp>
+      <p:cxnSp>
+        <p:nvCxnSpPr>
+          <p:cNvPr id="97" name="Conector angular 222"/>
+          <p:cNvCxnSpPr/>
+          <p:nvPr/>
+        </p:nvCxnSpPr>
+        <p:spPr>
+          <a:xfrm rot="5400000">
+            <a:off x="7788017" y="2056078"/>
+            <a:ext cx="143025" cy="876"/>
+          </a:xfrm>
+          <a:prstGeom prst="bentConnector3">
+            <a:avLst>
+              <a:gd name="adj1" fmla="val -5595"/>
+            </a:avLst>
+          </a:prstGeom>
+          <a:ln w="12700">
+            <a:solidFill>
+              <a:schemeClr val="tx1"/>
+            </a:solidFill>
+          </a:ln>
+        </p:spPr>
+        <p:style>
+          <a:lnRef idx="1">
+            <a:schemeClr val="accent1"/>
+          </a:lnRef>
+          <a:fillRef idx="0">
+            <a:schemeClr val="accent1"/>
+          </a:fillRef>
+          <a:effectRef idx="0">
+            <a:schemeClr val="accent1"/>
+          </a:effectRef>
+          <a:fontRef idx="minor">
+            <a:schemeClr val="tx1"/>
+          </a:fontRef>
+        </p:style>
+      </p:cxnSp>
       <p:sp>
         <p:nvSpPr>
-          <p:cNvPr id="93" name="Rectángulo 219" descr="Nodo de segundo nivel" title="Nodo02"/>
+          <p:cNvPr id="100" name="CuadroTexto 221" descr="Conector entre nodos" title="conector"/>
+          <p:cNvSpPr txBox="1"/>
+          <p:nvPr/>
+        </p:nvSpPr>
+        <p:spPr>
+          <a:xfrm>
+            <a:off x="7226258" y="2094268"/>
+            <a:ext cx="1324770" cy="215444"/>
+          </a:xfrm>
+          <a:prstGeom prst="rect">
+            <a:avLst/>
+          </a:prstGeom>
+          <a:noFill/>
+        </p:spPr>
+        <p:txBody>
+          <a:bodyPr wrap="square" rtlCol="0">
+            <a:spAutoFit/>
+          </a:bodyPr>
+          <a:lstStyle/>
+          <a:p>
+            <a:pPr algn="ctr"/>
+            <a:r>
+              <a:rPr lang="es-ES" sz="800" dirty="0" smtClean="0"/>
+              <a:t>permite</a:t>
+            </a:r>
+            <a:endParaRPr lang="es-ES" sz="800" dirty="0"/>
+          </a:p>
+        </p:txBody>
+      </p:sp>
+      <p:cxnSp>
+        <p:nvCxnSpPr>
+          <p:cNvPr id="39" name="Conector recto 38"/>
+          <p:cNvCxnSpPr/>
+          <p:nvPr/>
+        </p:nvCxnSpPr>
+        <p:spPr>
+          <a:xfrm>
+            <a:off x="8963814" y="1982127"/>
+            <a:ext cx="0" cy="1319000"/>
+          </a:xfrm>
+          <a:prstGeom prst="line">
+            <a:avLst/>
+          </a:prstGeom>
+        </p:spPr>
+        <p:style>
+          <a:lnRef idx="2">
+            <a:schemeClr val="dk1"/>
+          </a:lnRef>
+          <a:fillRef idx="0">
+            <a:schemeClr val="dk1"/>
+          </a:fillRef>
+          <a:effectRef idx="1">
+            <a:schemeClr val="dk1"/>
+          </a:effectRef>
+          <a:fontRef idx="minor">
+            <a:schemeClr val="tx1"/>
+          </a:fontRef>
+        </p:style>
+      </p:cxnSp>
+      <p:sp>
+        <p:nvSpPr>
+          <p:cNvPr id="110" name="Rectángulo 109" descr="Nodo de tercer nivel" title="Nodo03"/>
           <p:cNvSpPr/>
           <p:nvPr/>
         </p:nvSpPr>
         <p:spPr>
           <a:xfrm>
-            <a:off x="7591462" y="1586442"/>
-            <a:ext cx="1425432" cy="271943"/>
+            <a:off x="7549201" y="3510851"/>
+            <a:ext cx="1452606" cy="576107"/>
           </a:xfrm>
           <a:prstGeom prst="rect">
             <a:avLst/>
           </a:prstGeom>
           <a:solidFill>
             <a:schemeClr val="bg2">
-              <a:lumMod val="50000"/>
+              <a:lumMod val="90000"/>
             </a:schemeClr>
           </a:solidFill>
           <a:ln>
@@ -5471,194 +5462,6 @@
           <a:bodyPr rtlCol="0" anchor="ctr"/>
           <a:lstStyle/>
           <a:p>
-            <a:pPr algn="ctr"/>
-            <a:r>
-              <a:rPr lang="es-ES" sz="1050" dirty="0" smtClean="0">
-                <a:solidFill>
-                  <a:schemeClr val="bg1"/>
-                </a:solidFill>
-              </a:rPr>
-              <a:t>El comentario de texto</a:t>
-            </a:r>
-            <a:endParaRPr lang="es-ES" sz="1050" dirty="0">
-              <a:solidFill>
-                <a:schemeClr val="bg1"/>
-              </a:solidFill>
-            </a:endParaRPr>
-          </a:p>
-        </p:txBody>
-      </p:sp>
-      <p:cxnSp>
-        <p:nvCxnSpPr>
-          <p:cNvPr id="26" name="Conector recto 25"/>
-          <p:cNvCxnSpPr/>
-          <p:nvPr/>
-        </p:nvCxnSpPr>
-        <p:spPr>
-          <a:xfrm>
-            <a:off x="7864027" y="1982127"/>
-            <a:ext cx="1099787" cy="0"/>
-          </a:xfrm>
-          <a:prstGeom prst="line">
-            <a:avLst/>
-          </a:prstGeom>
-        </p:spPr>
-        <p:style>
-          <a:lnRef idx="2">
-            <a:schemeClr val="dk1"/>
-          </a:lnRef>
-          <a:fillRef idx="0">
-            <a:schemeClr val="dk1"/>
-          </a:fillRef>
-          <a:effectRef idx="1">
-            <a:schemeClr val="dk1"/>
-          </a:effectRef>
-          <a:fontRef idx="minor">
-            <a:schemeClr val="tx1"/>
-          </a:fontRef>
-        </p:style>
-      </p:cxnSp>
-      <p:cxnSp>
-        <p:nvCxnSpPr>
-          <p:cNvPr id="97" name="Conector angular 222"/>
-          <p:cNvCxnSpPr/>
-          <p:nvPr/>
-        </p:nvCxnSpPr>
-        <p:spPr>
-          <a:xfrm rot="5400000">
-            <a:off x="7788017" y="2056078"/>
-            <a:ext cx="143025" cy="876"/>
-          </a:xfrm>
-          <a:prstGeom prst="bentConnector3">
-            <a:avLst>
-              <a:gd name="adj1" fmla="val -5595"/>
-            </a:avLst>
-          </a:prstGeom>
-          <a:ln w="12700">
-            <a:solidFill>
-              <a:schemeClr val="tx1"/>
-            </a:solidFill>
-          </a:ln>
-        </p:spPr>
-        <p:style>
-          <a:lnRef idx="1">
-            <a:schemeClr val="accent1"/>
-          </a:lnRef>
-          <a:fillRef idx="0">
-            <a:schemeClr val="accent1"/>
-          </a:fillRef>
-          <a:effectRef idx="0">
-            <a:schemeClr val="accent1"/>
-          </a:effectRef>
-          <a:fontRef idx="minor">
-            <a:schemeClr val="tx1"/>
-          </a:fontRef>
-        </p:style>
-      </p:cxnSp>
-      <p:sp>
-        <p:nvSpPr>
-          <p:cNvPr id="100" name="CuadroTexto 221" descr="Conector entre nodos" title="conector"/>
-          <p:cNvSpPr txBox="1"/>
-          <p:nvPr/>
-        </p:nvSpPr>
-        <p:spPr>
-          <a:xfrm>
-            <a:off x="7226258" y="2094268"/>
-            <a:ext cx="1324770" cy="215444"/>
-          </a:xfrm>
-          <a:prstGeom prst="rect">
-            <a:avLst/>
-          </a:prstGeom>
-          <a:noFill/>
-        </p:spPr>
-        <p:txBody>
-          <a:bodyPr wrap="square" rtlCol="0">
-            <a:spAutoFit/>
-          </a:bodyPr>
-          <a:lstStyle/>
-          <a:p>
-            <a:pPr algn="ctr"/>
-            <a:r>
-              <a:rPr lang="es-ES" sz="800" dirty="0" smtClean="0"/>
-              <a:t>permite</a:t>
-            </a:r>
-            <a:endParaRPr lang="es-ES" sz="800" dirty="0"/>
-          </a:p>
-        </p:txBody>
-      </p:sp>
-      <p:cxnSp>
-        <p:nvCxnSpPr>
-          <p:cNvPr id="39" name="Conector recto 38"/>
-          <p:cNvCxnSpPr/>
-          <p:nvPr/>
-        </p:nvCxnSpPr>
-        <p:spPr>
-          <a:xfrm>
-            <a:off x="8963814" y="1982127"/>
-            <a:ext cx="0" cy="1319000"/>
-          </a:xfrm>
-          <a:prstGeom prst="line">
-            <a:avLst/>
-          </a:prstGeom>
-        </p:spPr>
-        <p:style>
-          <a:lnRef idx="2">
-            <a:schemeClr val="dk1"/>
-          </a:lnRef>
-          <a:fillRef idx="0">
-            <a:schemeClr val="dk1"/>
-          </a:fillRef>
-          <a:effectRef idx="1">
-            <a:schemeClr val="dk1"/>
-          </a:effectRef>
-          <a:fontRef idx="minor">
-            <a:schemeClr val="tx1"/>
-          </a:fontRef>
-        </p:style>
-      </p:cxnSp>
-      <p:sp>
-        <p:nvSpPr>
-          <p:cNvPr id="110" name="Rectángulo 109" descr="Nodo de tercer nivel" title="Nodo03"/>
-          <p:cNvSpPr/>
-          <p:nvPr/>
-        </p:nvSpPr>
-        <p:spPr>
-          <a:xfrm>
-            <a:off x="7549201" y="3510851"/>
-            <a:ext cx="1452606" cy="576107"/>
-          </a:xfrm>
-          <a:prstGeom prst="rect">
-            <a:avLst/>
-          </a:prstGeom>
-          <a:solidFill>
-            <a:schemeClr val="bg2">
-              <a:lumMod val="90000"/>
-            </a:schemeClr>
-          </a:solidFill>
-          <a:ln>
-            <a:solidFill>
-              <a:schemeClr val="tx1"/>
-            </a:solidFill>
-          </a:ln>
-        </p:spPr>
-        <p:style>
-          <a:lnRef idx="2">
-            <a:schemeClr val="accent6"/>
-          </a:lnRef>
-          <a:fillRef idx="1">
-            <a:schemeClr val="lt1"/>
-          </a:fillRef>
-          <a:effectRef idx="0">
-            <a:schemeClr val="accent6"/>
-          </a:effectRef>
-          <a:fontRef idx="minor">
-            <a:schemeClr val="dk1"/>
-          </a:fontRef>
-        </p:style>
-        <p:txBody>
-          <a:bodyPr rtlCol="0" anchor="ctr"/>
-          <a:lstStyle/>
-          <a:p>
             <a:pPr marL="171450" indent="-171450">
               <a:buFont typeface="Arial" panose="020B0604020202020204" pitchFamily="34" charset="0"/>
               <a:buChar char="•"/>
@@ -5851,66 +5654,6 @@
           </a:fontRef>
         </p:style>
       </p:cxnSp>
-      <p:cxnSp>
-        <p:nvCxnSpPr>
-          <p:cNvPr id="130" name="Conector recto 129"/>
-          <p:cNvCxnSpPr/>
-          <p:nvPr/>
-        </p:nvCxnSpPr>
-        <p:spPr>
-          <a:xfrm>
-            <a:off x="8725346" y="5979164"/>
-            <a:ext cx="210928" cy="0"/>
-          </a:xfrm>
-          <a:prstGeom prst="line">
-            <a:avLst/>
-          </a:prstGeom>
-        </p:spPr>
-        <p:style>
-          <a:lnRef idx="2">
-            <a:schemeClr val="dk1"/>
-          </a:lnRef>
-          <a:fillRef idx="0">
-            <a:schemeClr val="dk1"/>
-          </a:fillRef>
-          <a:effectRef idx="1">
-            <a:schemeClr val="dk1"/>
-          </a:effectRef>
-          <a:fontRef idx="minor">
-            <a:schemeClr val="tx1"/>
-          </a:fontRef>
-        </p:style>
-      </p:cxnSp>
-      <p:cxnSp>
-        <p:nvCxnSpPr>
-          <p:cNvPr id="55" name="Conector recto 54"/>
-          <p:cNvCxnSpPr/>
-          <p:nvPr/>
-        </p:nvCxnSpPr>
-        <p:spPr>
-          <a:xfrm flipV="1">
-            <a:off x="8933509" y="5241601"/>
-            <a:ext cx="0" cy="737563"/>
-          </a:xfrm>
-          <a:prstGeom prst="line">
-            <a:avLst/>
-          </a:prstGeom>
-        </p:spPr>
-        <p:style>
-          <a:lnRef idx="2">
-            <a:schemeClr val="dk1"/>
-          </a:lnRef>
-          <a:fillRef idx="0">
-            <a:schemeClr val="dk1"/>
-          </a:fillRef>
-          <a:effectRef idx="1">
-            <a:schemeClr val="dk1"/>
-          </a:effectRef>
-          <a:fontRef idx="minor">
-            <a:schemeClr val="tx1"/>
-          </a:fontRef>
-        </p:style>
-      </p:cxnSp>
       <p:sp>
         <p:nvSpPr>
           <p:cNvPr id="131" name="CuadroTexto 130" descr="Conector entre nodos" title="conector"/>
@@ -5938,203 +5681,7 @@
               <a:rPr lang="es-ES" sz="900" dirty="0" smtClean="0"/>
               <a:t> </a:t>
             </a:r>
-            <a:r>
-              <a:rPr lang="es-ES" sz="800" dirty="0" smtClean="0"/>
-              <a:t>por ejemplo</a:t>
-            </a:r>
             <a:endParaRPr lang="es-ES" sz="800" dirty="0"/>
-          </a:p>
-        </p:txBody>
-      </p:sp>
-      <p:cxnSp>
-        <p:nvCxnSpPr>
-          <p:cNvPr id="133" name="Conector angular 259"/>
-          <p:cNvCxnSpPr/>
-          <p:nvPr/>
-        </p:nvCxnSpPr>
-        <p:spPr>
-          <a:xfrm rot="16200000" flipH="1">
-            <a:off x="8861509" y="5012802"/>
-            <a:ext cx="144000" cy="0"/>
-          </a:xfrm>
-          <a:prstGeom prst="bentConnector3">
-            <a:avLst>
-              <a:gd name="adj1" fmla="val 98507"/>
-            </a:avLst>
-          </a:prstGeom>
-          <a:ln w="12700">
-            <a:solidFill>
-              <a:schemeClr val="tx1"/>
-            </a:solidFill>
-          </a:ln>
-        </p:spPr>
-        <p:style>
-          <a:lnRef idx="1">
-            <a:schemeClr val="accent1"/>
-          </a:lnRef>
-          <a:fillRef idx="0">
-            <a:schemeClr val="accent1"/>
-          </a:fillRef>
-          <a:effectRef idx="0">
-            <a:schemeClr val="accent1"/>
-          </a:effectRef>
-          <a:fontRef idx="minor">
-            <a:schemeClr val="tx1"/>
-          </a:fontRef>
-        </p:style>
-      </p:cxnSp>
-      <p:cxnSp>
-        <p:nvCxnSpPr>
-          <p:cNvPr id="62" name="Conector recto 61"/>
-          <p:cNvCxnSpPr/>
-          <p:nvPr/>
-        </p:nvCxnSpPr>
-        <p:spPr>
-          <a:xfrm flipH="1">
-            <a:off x="2619606" y="6101068"/>
-            <a:ext cx="566477" cy="0"/>
-          </a:xfrm>
-          <a:prstGeom prst="line">
-            <a:avLst/>
-          </a:prstGeom>
-        </p:spPr>
-        <p:style>
-          <a:lnRef idx="2">
-            <a:schemeClr val="dk1"/>
-          </a:lnRef>
-          <a:fillRef idx="0">
-            <a:schemeClr val="dk1"/>
-          </a:fillRef>
-          <a:effectRef idx="1">
-            <a:schemeClr val="dk1"/>
-          </a:effectRef>
-          <a:fontRef idx="minor">
-            <a:schemeClr val="tx1"/>
-          </a:fontRef>
-        </p:style>
-      </p:cxnSp>
-      <p:sp>
-        <p:nvSpPr>
-          <p:cNvPr id="142" name="Rectángulo 307" descr="Nodo de cuarto nivel&#10;" title="Nodo04"/>
-          <p:cNvSpPr/>
-          <p:nvPr/>
-        </p:nvSpPr>
-        <p:spPr>
-          <a:xfrm>
-            <a:off x="7978042" y="4285263"/>
-            <a:ext cx="1066220" cy="660150"/>
-          </a:xfrm>
-          <a:prstGeom prst="rect">
-            <a:avLst/>
-          </a:prstGeom>
-          <a:solidFill>
-            <a:schemeClr val="bg1"/>
-          </a:solidFill>
-          <a:ln>
-            <a:solidFill>
-              <a:schemeClr val="tx1"/>
-            </a:solidFill>
-          </a:ln>
-        </p:spPr>
-        <p:style>
-          <a:lnRef idx="2">
-            <a:schemeClr val="accent6"/>
-          </a:lnRef>
-          <a:fillRef idx="1">
-            <a:schemeClr val="lt1"/>
-          </a:fillRef>
-          <a:effectRef idx="0">
-            <a:schemeClr val="accent6"/>
-          </a:effectRef>
-          <a:fontRef idx="minor">
-            <a:schemeClr val="dk1"/>
-          </a:fontRef>
-        </p:style>
-        <p:txBody>
-          <a:bodyPr rtlCol="0" anchor="ctr"/>
-          <a:lstStyle/>
-          <a:p>
-            <a:pPr marL="171450" indent="-171450">
-              <a:buFont typeface="Arial" panose="020B0604020202020204" pitchFamily="34" charset="0"/>
-              <a:buChar char="•"/>
-            </a:pPr>
-            <a:r>
-              <a:rPr lang="es-ES" sz="700" dirty="0" smtClean="0">
-                <a:solidFill>
-                  <a:schemeClr val="tx1"/>
-                </a:solidFill>
-              </a:rPr>
-              <a:t>consejería</a:t>
-            </a:r>
-          </a:p>
-          <a:p>
-            <a:pPr marL="171450" indent="-171450">
-              <a:buFont typeface="Arial" panose="020B0604020202020204" pitchFamily="34" charset="0"/>
-              <a:buChar char="•"/>
-            </a:pPr>
-            <a:r>
-              <a:rPr lang="es-ES" sz="700" dirty="0">
-                <a:solidFill>
-                  <a:schemeClr val="tx1"/>
-                </a:solidFill>
-              </a:rPr>
-              <a:t>c</a:t>
-            </a:r>
-            <a:r>
-              <a:rPr lang="es-ES" sz="700" dirty="0" smtClean="0">
-                <a:solidFill>
-                  <a:schemeClr val="tx1"/>
-                </a:solidFill>
-              </a:rPr>
-              <a:t>ruje, crujir</a:t>
-            </a:r>
-          </a:p>
-          <a:p>
-            <a:pPr marL="171450" indent="-171450">
-              <a:buFont typeface="Arial" panose="020B0604020202020204" pitchFamily="34" charset="0"/>
-              <a:buChar char="•"/>
-            </a:pPr>
-            <a:r>
-              <a:rPr lang="es-ES" sz="700" dirty="0">
-                <a:solidFill>
-                  <a:schemeClr val="tx1"/>
-                </a:solidFill>
-              </a:rPr>
-              <a:t>c</a:t>
-            </a:r>
-            <a:r>
-              <a:rPr lang="es-ES" sz="700" dirty="0" smtClean="0">
-                <a:solidFill>
-                  <a:schemeClr val="tx1"/>
-                </a:solidFill>
-              </a:rPr>
-              <a:t>aja, cajita, cajón</a:t>
-            </a:r>
-          </a:p>
-          <a:p>
-            <a:pPr marL="171450" indent="-171450">
-              <a:buFont typeface="Arial" panose="020B0604020202020204" pitchFamily="34" charset="0"/>
-              <a:buChar char="•"/>
-            </a:pPr>
-            <a:r>
-              <a:rPr lang="es-ES" sz="700" dirty="0" smtClean="0">
-                <a:solidFill>
-                  <a:schemeClr val="tx1"/>
-                </a:solidFill>
-              </a:rPr>
-              <a:t>objeto, subjuntivo, adjetivo</a:t>
-            </a:r>
-          </a:p>
-          <a:p>
-            <a:pPr marL="171450" indent="-171450">
-              <a:buFont typeface="Arial" panose="020B0604020202020204" pitchFamily="34" charset="0"/>
-              <a:buChar char="•"/>
-            </a:pPr>
-            <a:endParaRPr lang="es-ES" sz="800" dirty="0" smtClean="0">
-              <a:solidFill>
-                <a:schemeClr val="tx1"/>
-              </a:solidFill>
-            </a:endParaRPr>
           </a:p>
         </p:txBody>
       </p:sp>
@@ -6148,38 +5695,6 @@
           <a:xfrm>
             <a:off x="7772540" y="4791939"/>
             <a:ext cx="0" cy="807188"/>
-          </a:xfrm>
-          <a:prstGeom prst="line">
-            <a:avLst/>
-          </a:prstGeom>
-        </p:spPr>
-        <p:style>
-          <a:lnRef idx="2">
-            <a:schemeClr val="dk1"/>
-          </a:lnRef>
-          <a:fillRef idx="0">
-            <a:schemeClr val="dk1"/>
-          </a:fillRef>
-          <a:effectRef idx="1">
-            <a:schemeClr val="dk1"/>
-          </a:effectRef>
-          <a:fontRef idx="minor">
-            <a:schemeClr val="tx1"/>
-          </a:fontRef>
-        </p:style>
-      </p:cxnSp>
-      <p:cxnSp>
-        <p:nvCxnSpPr>
-          <p:cNvPr id="260" name="Conector recto 259"/>
-          <p:cNvCxnSpPr>
-            <a:endCxn id="71" idx="1"/>
-          </p:cNvCxnSpPr>
-          <p:nvPr/>
-        </p:nvCxnSpPr>
-        <p:spPr>
-          <a:xfrm>
-            <a:off x="3871221" y="6101068"/>
-            <a:ext cx="713756" cy="1"/>
           </a:xfrm>
           <a:prstGeom prst="line">
             <a:avLst/>
